--- a/docs/diagrams/listCardCommand.pptx
+++ b/docs/diagrams/listCardCommand.pptx
@@ -104,6 +104,11 @@
       </a:defRPr>
     </a:lvl9pPr>
   </p:defaultTextStyle>
+  <p:extLst>
+    <p:ext uri="{EFAFB233-063F-42B5-8137-9DF3F51BA10A}">
+      <p15:sldGuideLst xmlns:p15="http://schemas.microsoft.com/office/powerpoint/2012/main"/>
+    </p:ext>
+  </p:extLst>
 </p:presentation>
 </file>
 
@@ -256,7 +261,7 @@
           <a:p>
             <a:fld id="{AB1AC69C-2948-4746-8D37-BD2AF3DD32F3}" type="datetimeFigureOut">
               <a:rPr lang="en-US" smtClean="0"/>
-              <a:t>10/22/19</a:t>
+              <a:t>10/31/19</a:t>
             </a:fld>
             <a:endParaRPr lang="en-US"/>
           </a:p>
@@ -456,7 +461,7 @@
           <a:p>
             <a:fld id="{AB1AC69C-2948-4746-8D37-BD2AF3DD32F3}" type="datetimeFigureOut">
               <a:rPr lang="en-US" smtClean="0"/>
-              <a:t>10/22/19</a:t>
+              <a:t>10/31/19</a:t>
             </a:fld>
             <a:endParaRPr lang="en-US"/>
           </a:p>
@@ -666,7 +671,7 @@
           <a:p>
             <a:fld id="{AB1AC69C-2948-4746-8D37-BD2AF3DD32F3}" type="datetimeFigureOut">
               <a:rPr lang="en-US" smtClean="0"/>
-              <a:t>10/22/19</a:t>
+              <a:t>10/31/19</a:t>
             </a:fld>
             <a:endParaRPr lang="en-US"/>
           </a:p>
@@ -866,7 +871,7 @@
           <a:p>
             <a:fld id="{AB1AC69C-2948-4746-8D37-BD2AF3DD32F3}" type="datetimeFigureOut">
               <a:rPr lang="en-US" smtClean="0"/>
-              <a:t>10/22/19</a:t>
+              <a:t>10/31/19</a:t>
             </a:fld>
             <a:endParaRPr lang="en-US"/>
           </a:p>
@@ -1142,7 +1147,7 @@
           <a:p>
             <a:fld id="{AB1AC69C-2948-4746-8D37-BD2AF3DD32F3}" type="datetimeFigureOut">
               <a:rPr lang="en-US" smtClean="0"/>
-              <a:t>10/22/19</a:t>
+              <a:t>10/31/19</a:t>
             </a:fld>
             <a:endParaRPr lang="en-US"/>
           </a:p>
@@ -1410,7 +1415,7 @@
           <a:p>
             <a:fld id="{AB1AC69C-2948-4746-8D37-BD2AF3DD32F3}" type="datetimeFigureOut">
               <a:rPr lang="en-US" smtClean="0"/>
-              <a:t>10/22/19</a:t>
+              <a:t>10/31/19</a:t>
             </a:fld>
             <a:endParaRPr lang="en-US"/>
           </a:p>
@@ -1825,7 +1830,7 @@
           <a:p>
             <a:fld id="{AB1AC69C-2948-4746-8D37-BD2AF3DD32F3}" type="datetimeFigureOut">
               <a:rPr lang="en-US" smtClean="0"/>
-              <a:t>10/22/19</a:t>
+              <a:t>10/31/19</a:t>
             </a:fld>
             <a:endParaRPr lang="en-US"/>
           </a:p>
@@ -1967,7 +1972,7 @@
           <a:p>
             <a:fld id="{AB1AC69C-2948-4746-8D37-BD2AF3DD32F3}" type="datetimeFigureOut">
               <a:rPr lang="en-US" smtClean="0"/>
-              <a:t>10/22/19</a:t>
+              <a:t>10/31/19</a:t>
             </a:fld>
             <a:endParaRPr lang="en-US"/>
           </a:p>
@@ -2080,7 +2085,7 @@
           <a:p>
             <a:fld id="{AB1AC69C-2948-4746-8D37-BD2AF3DD32F3}" type="datetimeFigureOut">
               <a:rPr lang="en-US" smtClean="0"/>
-              <a:t>10/22/19</a:t>
+              <a:t>10/31/19</a:t>
             </a:fld>
             <a:endParaRPr lang="en-US"/>
           </a:p>
@@ -2393,7 +2398,7 @@
           <a:p>
             <a:fld id="{AB1AC69C-2948-4746-8D37-BD2AF3DD32F3}" type="datetimeFigureOut">
               <a:rPr lang="en-US" smtClean="0"/>
-              <a:t>10/22/19</a:t>
+              <a:t>10/31/19</a:t>
             </a:fld>
             <a:endParaRPr lang="en-US"/>
           </a:p>
@@ -2682,7 +2687,7 @@
           <a:p>
             <a:fld id="{AB1AC69C-2948-4746-8D37-BD2AF3DD32F3}" type="datetimeFigureOut">
               <a:rPr lang="en-US" smtClean="0"/>
-              <a:t>10/22/19</a:t>
+              <a:t>10/31/19</a:t>
             </a:fld>
             <a:endParaRPr lang="en-US"/>
           </a:p>
@@ -2925,7 +2930,7 @@
           <a:p>
             <a:fld id="{AB1AC69C-2948-4746-8D37-BD2AF3DD32F3}" type="datetimeFigureOut">
               <a:rPr lang="en-US" smtClean="0"/>
-              <a:t>10/22/19</a:t>
+              <a:t>10/31/19</a:t>
             </a:fld>
             <a:endParaRPr lang="en-US"/>
           </a:p>
@@ -3344,10 +3349,10 @@
       </p:grpSpPr>
       <p:grpSp>
         <p:nvGrpSpPr>
-          <p:cNvPr id="4" name="Group 3">
+          <p:cNvPr id="72" name="Group 71">
             <a:extLst>
               <a:ext uri="{FF2B5EF4-FFF2-40B4-BE49-F238E27FC236}">
-                <a16:creationId xmlns:a16="http://schemas.microsoft.com/office/drawing/2014/main" id="{B6DFE79A-20B3-4A4C-B47A-4F6F3A0585A7}"/>
+                <a16:creationId xmlns:a16="http://schemas.microsoft.com/office/drawing/2014/main" id="{90C048D0-4F75-C041-860C-019C6CFC3333}"/>
               </a:ext>
             </a:extLst>
           </p:cNvPr>
@@ -3387,8 +3392,7 @@
             <a:ln>
               <a:solidFill>
                 <a:schemeClr val="accent2">
-                  <a:lumMod val="40000"/>
-                  <a:lumOff val="60000"/>
+                  <a:lumMod val="75000"/>
                 </a:schemeClr>
               </a:solidFill>
               <a:prstDash val="sysDash"/>
@@ -3424,8 +3428,8 @@
           </p:nvSpPr>
           <p:spPr>
             <a:xfrm>
-              <a:off x="485325" y="439062"/>
-              <a:ext cx="128734" cy="6208827"/>
+              <a:off x="485325" y="720009"/>
+              <a:ext cx="122790" cy="5927880"/>
             </a:xfrm>
             <a:prstGeom prst="rect">
               <a:avLst/>
@@ -3433,8 +3437,8 @@
             <a:noFill/>
             <a:ln>
               <a:solidFill>
-                <a:schemeClr val="bg2">
-                  <a:lumMod val="90000"/>
+                <a:schemeClr val="bg1">
+                  <a:lumMod val="50000"/>
                 </a:schemeClr>
               </a:solidFill>
             </a:ln>
@@ -3492,6 +3496,13 @@
                 <a:lumMod val="90000"/>
               </a:schemeClr>
             </a:solidFill>
+            <a:ln>
+              <a:solidFill>
+                <a:schemeClr val="bg1">
+                  <a:lumMod val="50000"/>
+                </a:schemeClr>
+              </a:solidFill>
+            </a:ln>
           </p:spPr>
           <p:txBody>
             <a:bodyPr wrap="square" rtlCol="0" anchor="ctr">
@@ -3501,7 +3512,7 @@
             <a:p>
               <a:pPr algn="ctr"/>
               <a:r>
-                <a:rPr lang="en-US" sz="1100">
+                <a:rPr lang="en-US" sz="1100" dirty="0">
                   <a:latin typeface="Arial" panose="020B0604020202020204" pitchFamily="34" charset="0"/>
                   <a:cs typeface="Arial" panose="020B0604020202020204" pitchFamily="34" charset="0"/>
                 </a:rPr>
@@ -3622,8 +3633,7 @@
             <a:ln>
               <a:solidFill>
                 <a:schemeClr val="accent2">
-                  <a:lumMod val="60000"/>
-                  <a:lumOff val="40000"/>
+                  <a:lumMod val="75000"/>
                 </a:schemeClr>
               </a:solidFill>
               <a:tailEnd type="triangle"/>
@@ -3672,8 +3682,7 @@
             <a:ln>
               <a:solidFill>
                 <a:schemeClr val="accent2">
-                  <a:lumMod val="60000"/>
-                  <a:lumOff val="40000"/>
+                  <a:lumMod val="75000"/>
                 </a:schemeClr>
               </a:solidFill>
               <a:tailEnd type="triangle"/>
@@ -3723,8 +3732,7 @@
             <a:ln>
               <a:solidFill>
                 <a:schemeClr val="accent2">
-                  <a:lumMod val="60000"/>
-                  <a:lumOff val="40000"/>
+                  <a:lumMod val="75000"/>
                 </a:schemeClr>
               </a:solidFill>
             </a:ln>
@@ -3771,8 +3779,7 @@
             <a:ln>
               <a:solidFill>
                 <a:schemeClr val="accent2">
-                  <a:lumMod val="60000"/>
-                  <a:lumOff val="40000"/>
+                  <a:lumMod val="75000"/>
                 </a:schemeClr>
               </a:solidFill>
               <a:prstDash val="sysDash"/>
@@ -3818,8 +3825,7 @@
             <a:ln>
               <a:solidFill>
                 <a:schemeClr val="accent2">
-                  <a:lumMod val="60000"/>
-                  <a:lumOff val="40000"/>
+                  <a:lumMod val="75000"/>
                 </a:schemeClr>
               </a:solidFill>
               <a:prstDash val="sysDash"/>
@@ -3865,7 +3871,9 @@
             </a:prstGeom>
             <a:ln>
               <a:solidFill>
-                <a:schemeClr val="accent4"/>
+                <a:schemeClr val="accent2">
+                  <a:lumMod val="75000"/>
+                </a:schemeClr>
               </a:solidFill>
               <a:prstDash val="sysDash"/>
             </a:ln>
@@ -3885,69 +3893,6 @@
             </a:fontRef>
           </p:style>
         </p:cxnSp>
-        <p:sp>
-          <p:nvSpPr>
-            <p:cNvPr id="16" name="Rectangle 15">
-              <a:extLst>
-                <a:ext uri="{FF2B5EF4-FFF2-40B4-BE49-F238E27FC236}">
-                  <a16:creationId xmlns:a16="http://schemas.microsoft.com/office/drawing/2014/main" id="{4261AA66-A5B8-E54F-AAD1-265C44CBED72}"/>
-                </a:ext>
-              </a:extLst>
-            </p:cNvPr>
-            <p:cNvSpPr/>
-            <p:nvPr/>
-          </p:nvSpPr>
-          <p:spPr>
-            <a:xfrm>
-              <a:off x="6632706" y="1303830"/>
-              <a:ext cx="122826" cy="405746"/>
-            </a:xfrm>
-            <a:prstGeom prst="rect">
-              <a:avLst/>
-            </a:prstGeom>
-            <a:solidFill>
-              <a:schemeClr val="accent2">
-                <a:lumMod val="60000"/>
-                <a:lumOff val="40000"/>
-              </a:schemeClr>
-            </a:solidFill>
-            <a:ln>
-              <a:solidFill>
-                <a:schemeClr val="accent2">
-                  <a:lumMod val="60000"/>
-                  <a:lumOff val="40000"/>
-                </a:schemeClr>
-              </a:solidFill>
-            </a:ln>
-          </p:spPr>
-          <p:style>
-            <a:lnRef idx="2">
-              <a:schemeClr val="accent1">
-                <a:shade val="50000"/>
-              </a:schemeClr>
-            </a:lnRef>
-            <a:fillRef idx="1">
-              <a:schemeClr val="accent1"/>
-            </a:fillRef>
-            <a:effectRef idx="0">
-              <a:schemeClr val="accent1"/>
-            </a:effectRef>
-            <a:fontRef idx="minor">
-              <a:schemeClr val="lt1"/>
-            </a:fontRef>
-          </p:style>
-          <p:txBody>
-            <a:bodyPr rtlCol="0" anchor="ctr"/>
-            <a:lstStyle/>
-            <a:p>
-              <a:pPr algn="ctr"/>
-              <a:endParaRPr lang="en-US" sz="1100">
-                <a:latin typeface="Arial" panose="020B0604020202020204" pitchFamily="34" charset="0"/>
-                <a:cs typeface="Arial" panose="020B0604020202020204" pitchFamily="34" charset="0"/>
-              </a:endParaRPr>
-            </a:p>
-          </p:txBody>
-        </p:sp>
         <p:cxnSp>
           <p:nvCxnSpPr>
             <p:cNvPr id="17" name="Curved Connector 16">
@@ -3975,8 +3920,7 @@
             <a:ln>
               <a:solidFill>
                 <a:schemeClr val="accent2">
-                  <a:lumMod val="60000"/>
-                  <a:lumOff val="40000"/>
+                  <a:lumMod val="75000"/>
                 </a:schemeClr>
               </a:solidFill>
               <a:prstDash val="sysDash"/>
@@ -3998,69 +3942,6 @@
             </a:fontRef>
           </p:style>
         </p:cxnSp>
-        <p:sp>
-          <p:nvSpPr>
-            <p:cNvPr id="18" name="Rectangle 17">
-              <a:extLst>
-                <a:ext uri="{FF2B5EF4-FFF2-40B4-BE49-F238E27FC236}">
-                  <a16:creationId xmlns:a16="http://schemas.microsoft.com/office/drawing/2014/main" id="{D3080AE1-82BA-C04C-AD40-DEB64A1D3AC2}"/>
-                </a:ext>
-              </a:extLst>
-            </p:cNvPr>
-            <p:cNvSpPr/>
-            <p:nvPr/>
-          </p:nvSpPr>
-          <p:spPr>
-            <a:xfrm>
-              <a:off x="6654862" y="2730886"/>
-              <a:ext cx="94358" cy="1210436"/>
-            </a:xfrm>
-            <a:prstGeom prst="rect">
-              <a:avLst/>
-            </a:prstGeom>
-            <a:solidFill>
-              <a:schemeClr val="accent2">
-                <a:lumMod val="60000"/>
-                <a:lumOff val="40000"/>
-              </a:schemeClr>
-            </a:solidFill>
-            <a:ln>
-              <a:solidFill>
-                <a:schemeClr val="accent2">
-                  <a:lumMod val="60000"/>
-                  <a:lumOff val="40000"/>
-                </a:schemeClr>
-              </a:solidFill>
-            </a:ln>
-          </p:spPr>
-          <p:style>
-            <a:lnRef idx="2">
-              <a:schemeClr val="accent1">
-                <a:shade val="50000"/>
-              </a:schemeClr>
-            </a:lnRef>
-            <a:fillRef idx="1">
-              <a:schemeClr val="accent1"/>
-            </a:fillRef>
-            <a:effectRef idx="0">
-              <a:schemeClr val="accent1"/>
-            </a:effectRef>
-            <a:fontRef idx="minor">
-              <a:schemeClr val="lt1"/>
-            </a:fontRef>
-          </p:style>
-          <p:txBody>
-            <a:bodyPr rtlCol="0" anchor="ctr"/>
-            <a:lstStyle/>
-            <a:p>
-              <a:pPr algn="ctr"/>
-              <a:endParaRPr lang="en-US" sz="1100">
-                <a:latin typeface="Arial" panose="020B0604020202020204" pitchFamily="34" charset="0"/>
-                <a:cs typeface="Arial" panose="020B0604020202020204" pitchFamily="34" charset="0"/>
-              </a:endParaRPr>
-            </a:p>
-          </p:txBody>
-        </p:sp>
         <p:sp>
           <p:nvSpPr>
             <p:cNvPr id="19" name="TextBox 18">
@@ -4087,6 +3968,13 @@
                 <a:lumOff val="40000"/>
               </a:schemeClr>
             </a:solidFill>
+            <a:ln>
+              <a:solidFill>
+                <a:schemeClr val="accent6">
+                  <a:lumMod val="75000"/>
+                </a:schemeClr>
+              </a:solidFill>
+            </a:ln>
           </p:spPr>
           <p:txBody>
             <a:bodyPr wrap="square" rtlCol="0" anchor="ctr">
@@ -4132,8 +4020,7 @@
             <a:ln>
               <a:solidFill>
                 <a:schemeClr val="accent6">
-                  <a:lumMod val="60000"/>
-                  <a:lumOff val="40000"/>
+                  <a:lumMod val="75000"/>
                 </a:schemeClr>
               </a:solidFill>
               <a:prstDash val="sysDash"/>
@@ -4348,8 +4235,8 @@
             </a:prstGeom>
             <a:ln>
               <a:solidFill>
-                <a:schemeClr val="bg2">
-                  <a:lumMod val="90000"/>
+                <a:schemeClr val="bg1">
+                  <a:lumMod val="50000"/>
                 </a:schemeClr>
               </a:solidFill>
               <a:tailEnd type="triangle"/>
@@ -4419,14 +4306,13 @@
             </p:cNvPr>
             <p:cNvCxnSpPr>
               <a:cxnSpLocks/>
-              <a:endCxn id="62" idx="0"/>
             </p:cNvCxnSpPr>
             <p:nvPr/>
           </p:nvCxnSpPr>
           <p:spPr>
             <a:xfrm flipV="1">
-              <a:off x="2349719" y="949508"/>
-              <a:ext cx="2011727" cy="7200"/>
+              <a:off x="2349718" y="949507"/>
+              <a:ext cx="1933200" cy="0"/>
             </a:xfrm>
             <a:prstGeom prst="straightConnector1">
               <a:avLst/>
@@ -4467,7 +4353,7 @@
           </p:nvCxnSpPr>
           <p:spPr>
             <a:xfrm>
-              <a:off x="4425512" y="1198994"/>
+              <a:off x="4425512" y="1214492"/>
               <a:ext cx="2135293" cy="0"/>
             </a:xfrm>
             <a:prstGeom prst="straightConnector1">
@@ -4506,7 +4392,7 @@
           </p:nvSpPr>
           <p:spPr>
             <a:xfrm>
-              <a:off x="4754913" y="975758"/>
+              <a:off x="4754913" y="991256"/>
               <a:ext cx="1478290" cy="261610"/>
             </a:xfrm>
             <a:prstGeom prst="rect">
@@ -4521,11 +4407,32 @@
             <a:lstStyle/>
             <a:p>
               <a:r>
-                <a:rPr lang="en-US" sz="1100">
+                <a:rPr lang="en-US" sz="1100" dirty="0" err="1">
                   <a:latin typeface="Arial" panose="020B0604020202020204" pitchFamily="34" charset="0"/>
                   <a:cs typeface="Arial" panose="020B0604020202020204" pitchFamily="34" charset="0"/>
                 </a:rPr>
-                <a:t>cardListListCards(ui)</a:t>
+                <a:t>cardListListCards</a:t>
+              </a:r>
+              <a:r>
+                <a:rPr lang="en-US" sz="1100" dirty="0">
+                  <a:latin typeface="Arial" panose="020B0604020202020204" pitchFamily="34" charset="0"/>
+                  <a:cs typeface="Arial" panose="020B0604020202020204" pitchFamily="34" charset="0"/>
+                </a:rPr>
+                <a:t>(</a:t>
+              </a:r>
+              <a:r>
+                <a:rPr lang="en-US" sz="1100" dirty="0" err="1">
+                  <a:latin typeface="Arial" panose="020B0604020202020204" pitchFamily="34" charset="0"/>
+                  <a:cs typeface="Arial" panose="020B0604020202020204" pitchFamily="34" charset="0"/>
+                </a:rPr>
+                <a:t>ui</a:t>
+              </a:r>
+              <a:r>
+                <a:rPr lang="en-US" sz="1100" dirty="0">
+                  <a:latin typeface="Arial" panose="020B0604020202020204" pitchFamily="34" charset="0"/>
+                  <a:cs typeface="Arial" panose="020B0604020202020204" pitchFamily="34" charset="0"/>
+                </a:rPr>
+                <a:t>)</a:t>
               </a:r>
             </a:p>
           </p:txBody>
@@ -4593,8 +4500,7 @@
             <a:ln>
               <a:solidFill>
                 <a:schemeClr val="accent2">
-                  <a:lumMod val="40000"/>
-                  <a:lumOff val="60000"/>
+                  <a:lumMod val="75000"/>
                 </a:schemeClr>
               </a:solidFill>
               <a:tailEnd type="triangle"/>
@@ -4679,8 +4585,7 @@
             <a:ln>
               <a:solidFill>
                 <a:schemeClr val="accent2">
-                  <a:lumMod val="40000"/>
-                  <a:lumOff val="60000"/>
+                  <a:lumMod val="75000"/>
                 </a:schemeClr>
               </a:solidFill>
               <a:prstDash val="sysDash"/>
@@ -4779,7 +4684,9 @@
             </a:prstGeom>
             <a:ln>
               <a:solidFill>
-                <a:schemeClr val="accent4"/>
+                <a:schemeClr val="accent2">
+                  <a:lumMod val="75000"/>
+                </a:schemeClr>
               </a:solidFill>
               <a:prstDash val="sysDash"/>
             </a:ln>
@@ -4826,8 +4733,7 @@
             <a:ln>
               <a:solidFill>
                 <a:schemeClr val="accent2">
-                  <a:lumMod val="60000"/>
-                  <a:lumOff val="40000"/>
+                  <a:lumMod val="75000"/>
                 </a:schemeClr>
               </a:solidFill>
               <a:prstDash val="sysDash"/>
@@ -4911,8 +4817,7 @@
             <a:ln>
               <a:solidFill>
                 <a:schemeClr val="accent6">
-                  <a:lumMod val="60000"/>
-                  <a:lumOff val="40000"/>
+                  <a:lumMod val="75000"/>
                 </a:schemeClr>
               </a:solidFill>
             </a:ln>
@@ -5010,8 +4915,7 @@
             <a:ln>
               <a:solidFill>
                 <a:schemeClr val="accent6">
-                  <a:lumMod val="60000"/>
-                  <a:lumOff val="40000"/>
+                  <a:lumMod val="75000"/>
                 </a:schemeClr>
               </a:solidFill>
               <a:prstDash val="sysDash"/>
@@ -5057,8 +4961,7 @@
             <a:ln>
               <a:solidFill>
                 <a:schemeClr val="accent2">
-                  <a:lumMod val="40000"/>
-                  <a:lumOff val="60000"/>
+                  <a:lumMod val="75000"/>
                 </a:schemeClr>
               </a:solidFill>
               <a:tailEnd type="triangle"/>
@@ -5142,8 +5045,7 @@
             <a:ln>
               <a:solidFill>
                 <a:schemeClr val="accent2">
-                  <a:lumMod val="40000"/>
-                  <a:lumOff val="60000"/>
+                  <a:lumMod val="75000"/>
                 </a:schemeClr>
               </a:solidFill>
               <a:prstDash val="sysDash"/>
@@ -5189,8 +5091,7 @@
             <a:ln>
               <a:solidFill>
                 <a:schemeClr val="accent6">
-                  <a:lumMod val="60000"/>
-                  <a:lumOff val="40000"/>
+                  <a:lumMod val="75000"/>
                 </a:schemeClr>
               </a:solidFill>
             </a:ln>
@@ -5286,8 +5187,7 @@
             <a:ln>
               <a:solidFill>
                 <a:schemeClr val="accent2">
-                  <a:lumMod val="40000"/>
-                  <a:lumOff val="60000"/>
+                  <a:lumMod val="75000"/>
                 </a:schemeClr>
               </a:solidFill>
               <a:tailEnd type="triangle"/>
@@ -5383,8 +5283,7 @@
             <a:ln>
               <a:solidFill>
                 <a:schemeClr val="accent6">
-                  <a:lumMod val="60000"/>
-                  <a:lumOff val="40000"/>
+                  <a:lumMod val="75000"/>
                 </a:schemeClr>
               </a:solidFill>
               <a:prstDash val="sysDash"/>
@@ -5428,8 +5327,7 @@
             <a:ln>
               <a:solidFill>
                 <a:schemeClr val="accent2">
-                  <a:lumMod val="40000"/>
-                  <a:lumOff val="60000"/>
+                  <a:lumMod val="75000"/>
                 </a:schemeClr>
               </a:solidFill>
               <a:tailEnd type="triangle"/>
@@ -5513,8 +5411,7 @@
             <a:ln>
               <a:solidFill>
                 <a:schemeClr val="accent2">
-                  <a:lumMod val="40000"/>
-                  <a:lumOff val="60000"/>
+                  <a:lumMod val="75000"/>
                 </a:schemeClr>
               </a:solidFill>
               <a:prstDash val="sysDash"/>
@@ -5560,8 +5457,7 @@
             <a:ln>
               <a:solidFill>
                 <a:schemeClr val="accent6">
-                  <a:lumMod val="60000"/>
-                  <a:lumOff val="40000"/>
+                  <a:lumMod val="75000"/>
                 </a:schemeClr>
               </a:solidFill>
             </a:ln>
@@ -5619,8 +5515,8 @@
             </a:prstGeom>
             <a:ln>
               <a:solidFill>
-                <a:schemeClr val="bg2">
-                  <a:lumMod val="90000"/>
+                <a:schemeClr val="bg1">
+                  <a:lumMod val="50000"/>
                 </a:schemeClr>
               </a:solidFill>
               <a:prstDash val="sysDash"/>
@@ -5830,8 +5726,7 @@
             <a:ln>
               <a:solidFill>
                 <a:schemeClr val="accent6">
-                  <a:lumMod val="60000"/>
-                  <a:lumOff val="40000"/>
+                  <a:lumMod val="75000"/>
                 </a:schemeClr>
               </a:solidFill>
               <a:prstDash val="sysDash"/>
@@ -5965,8 +5860,7 @@
             <a:ln>
               <a:solidFill>
                 <a:schemeClr val="accent2">
-                  <a:lumMod val="60000"/>
-                  <a:lumOff val="40000"/>
+                  <a:lumMod val="75000"/>
                 </a:schemeClr>
               </a:solidFill>
             </a:ln>
@@ -6354,6 +6248,180 @@
                 </a:rPr>
                 <a:t>loop</a:t>
               </a:r>
+            </a:p>
+          </p:txBody>
+        </p:sp>
+        <p:cxnSp>
+          <p:nvCxnSpPr>
+            <p:cNvPr id="3" name="Straight Connector 2">
+              <a:extLst>
+                <a:ext uri="{FF2B5EF4-FFF2-40B4-BE49-F238E27FC236}">
+                  <a16:creationId xmlns:a16="http://schemas.microsoft.com/office/drawing/2014/main" id="{0523DB90-0E24-4C46-B1CC-97BFE21E57BD}"/>
+                </a:ext>
+              </a:extLst>
+            </p:cNvPr>
+            <p:cNvCxnSpPr>
+              <a:cxnSpLocks/>
+              <a:stCxn id="7" idx="2"/>
+              <a:endCxn id="6" idx="0"/>
+            </p:cNvCxnSpPr>
+            <p:nvPr/>
+          </p:nvCxnSpPr>
+          <p:spPr>
+            <a:xfrm flipH="1">
+              <a:off x="546720" y="455391"/>
+              <a:ext cx="0" cy="264618"/>
+            </a:xfrm>
+            <a:prstGeom prst="line">
+              <a:avLst/>
+            </a:prstGeom>
+            <a:ln>
+              <a:solidFill>
+                <a:schemeClr val="bg1">
+                  <a:lumMod val="50000"/>
+                </a:schemeClr>
+              </a:solidFill>
+              <a:prstDash val="sysDash"/>
+            </a:ln>
+          </p:spPr>
+          <p:style>
+            <a:lnRef idx="1">
+              <a:schemeClr val="accent1"/>
+            </a:lnRef>
+            <a:fillRef idx="0">
+              <a:schemeClr val="accent1"/>
+            </a:fillRef>
+            <a:effectRef idx="0">
+              <a:schemeClr val="accent1"/>
+            </a:effectRef>
+            <a:fontRef idx="minor">
+              <a:schemeClr val="tx1"/>
+            </a:fontRef>
+          </p:style>
+        </p:cxnSp>
+        <p:sp>
+          <p:nvSpPr>
+            <p:cNvPr id="16" name="Rectangle 15">
+              <a:extLst>
+                <a:ext uri="{FF2B5EF4-FFF2-40B4-BE49-F238E27FC236}">
+                  <a16:creationId xmlns:a16="http://schemas.microsoft.com/office/drawing/2014/main" id="{4261AA66-A5B8-E54F-AAD1-265C44CBED72}"/>
+                </a:ext>
+              </a:extLst>
+            </p:cNvPr>
+            <p:cNvSpPr/>
+            <p:nvPr/>
+          </p:nvSpPr>
+          <p:spPr>
+            <a:xfrm>
+              <a:off x="6632706" y="1303830"/>
+              <a:ext cx="122826" cy="405746"/>
+            </a:xfrm>
+            <a:prstGeom prst="rect">
+              <a:avLst/>
+            </a:prstGeom>
+            <a:solidFill>
+              <a:schemeClr val="accent2">
+                <a:lumMod val="60000"/>
+                <a:lumOff val="40000"/>
+              </a:schemeClr>
+            </a:solidFill>
+            <a:ln>
+              <a:solidFill>
+                <a:schemeClr val="accent2">
+                  <a:lumMod val="60000"/>
+                  <a:lumOff val="40000"/>
+                </a:schemeClr>
+              </a:solidFill>
+            </a:ln>
+          </p:spPr>
+          <p:style>
+            <a:lnRef idx="2">
+              <a:schemeClr val="accent1">
+                <a:shade val="50000"/>
+              </a:schemeClr>
+            </a:lnRef>
+            <a:fillRef idx="1">
+              <a:schemeClr val="accent1"/>
+            </a:fillRef>
+            <a:effectRef idx="0">
+              <a:schemeClr val="accent1"/>
+            </a:effectRef>
+            <a:fontRef idx="minor">
+              <a:schemeClr val="lt1"/>
+            </a:fontRef>
+          </p:style>
+          <p:txBody>
+            <a:bodyPr rtlCol="0" anchor="ctr"/>
+            <a:lstStyle/>
+            <a:p>
+              <a:pPr algn="ctr"/>
+              <a:endParaRPr lang="en-US" sz="1100">
+                <a:latin typeface="Arial" panose="020B0604020202020204" pitchFamily="34" charset="0"/>
+                <a:cs typeface="Arial" panose="020B0604020202020204" pitchFamily="34" charset="0"/>
+              </a:endParaRPr>
+            </a:p>
+          </p:txBody>
+        </p:sp>
+        <p:sp>
+          <p:nvSpPr>
+            <p:cNvPr id="18" name="Rectangle 17">
+              <a:extLst>
+                <a:ext uri="{FF2B5EF4-FFF2-40B4-BE49-F238E27FC236}">
+                  <a16:creationId xmlns:a16="http://schemas.microsoft.com/office/drawing/2014/main" id="{D3080AE1-82BA-C04C-AD40-DEB64A1D3AC2}"/>
+                </a:ext>
+              </a:extLst>
+            </p:cNvPr>
+            <p:cNvSpPr/>
+            <p:nvPr/>
+          </p:nvSpPr>
+          <p:spPr>
+            <a:xfrm>
+              <a:off x="6654862" y="2730886"/>
+              <a:ext cx="94358" cy="1210436"/>
+            </a:xfrm>
+            <a:prstGeom prst="rect">
+              <a:avLst/>
+            </a:prstGeom>
+            <a:solidFill>
+              <a:schemeClr val="accent2">
+                <a:lumMod val="60000"/>
+                <a:lumOff val="40000"/>
+              </a:schemeClr>
+            </a:solidFill>
+            <a:ln>
+              <a:solidFill>
+                <a:schemeClr val="accent2">
+                  <a:lumMod val="60000"/>
+                  <a:lumOff val="40000"/>
+                </a:schemeClr>
+              </a:solidFill>
+            </a:ln>
+          </p:spPr>
+          <p:style>
+            <a:lnRef idx="2">
+              <a:schemeClr val="accent1">
+                <a:shade val="50000"/>
+              </a:schemeClr>
+            </a:lnRef>
+            <a:fillRef idx="1">
+              <a:schemeClr val="accent1"/>
+            </a:fillRef>
+            <a:effectRef idx="0">
+              <a:schemeClr val="accent1"/>
+            </a:effectRef>
+            <a:fontRef idx="minor">
+              <a:schemeClr val="lt1"/>
+            </a:fontRef>
+          </p:style>
+          <p:txBody>
+            <a:bodyPr rtlCol="0" anchor="ctr"/>
+            <a:lstStyle/>
+            <a:p>
+              <a:pPr algn="ctr"/>
+              <a:endParaRPr lang="en-US" sz="1100">
+                <a:latin typeface="Arial" panose="020B0604020202020204" pitchFamily="34" charset="0"/>
+                <a:cs typeface="Arial" panose="020B0604020202020204" pitchFamily="34" charset="0"/>
+              </a:endParaRPr>
             </a:p>
           </p:txBody>
         </p:sp>
